--- a/EDM/HW4.pptx
+++ b/EDM/HW4.pptx
@@ -251,7 +251,7 @@
           <a:p>
             <a:fld id="{9553D06D-798D-41B2-8E09-945CDEC492DF}" type="datetimeFigureOut">
               <a:rPr lang="zh-TW" altLang="en-US" smtClean="0"/>
-              <a:t>2025/12/8</a:t>
+              <a:t>2025/12/9</a:t>
             </a:fld>
             <a:endParaRPr lang="zh-TW" altLang="en-US"/>
           </a:p>
@@ -419,7 +419,7 @@
           <a:p>
             <a:fld id="{9553D06D-798D-41B2-8E09-945CDEC492DF}" type="datetimeFigureOut">
               <a:rPr lang="zh-TW" altLang="en-US" smtClean="0"/>
-              <a:t>2025/12/8</a:t>
+              <a:t>2025/12/9</a:t>
             </a:fld>
             <a:endParaRPr lang="zh-TW" altLang="en-US"/>
           </a:p>
@@ -597,7 +597,7 @@
           <a:p>
             <a:fld id="{9553D06D-798D-41B2-8E09-945CDEC492DF}" type="datetimeFigureOut">
               <a:rPr lang="zh-TW" altLang="en-US" smtClean="0"/>
-              <a:t>2025/12/8</a:t>
+              <a:t>2025/12/9</a:t>
             </a:fld>
             <a:endParaRPr lang="zh-TW" altLang="en-US"/>
           </a:p>
@@ -765,7 +765,7 @@
           <a:p>
             <a:fld id="{9553D06D-798D-41B2-8E09-945CDEC492DF}" type="datetimeFigureOut">
               <a:rPr lang="zh-TW" altLang="en-US" smtClean="0"/>
-              <a:t>2025/12/8</a:t>
+              <a:t>2025/12/9</a:t>
             </a:fld>
             <a:endParaRPr lang="zh-TW" altLang="en-US"/>
           </a:p>
@@ -1010,7 +1010,7 @@
           <a:p>
             <a:fld id="{9553D06D-798D-41B2-8E09-945CDEC492DF}" type="datetimeFigureOut">
               <a:rPr lang="zh-TW" altLang="en-US" smtClean="0"/>
-              <a:t>2025/12/8</a:t>
+              <a:t>2025/12/9</a:t>
             </a:fld>
             <a:endParaRPr lang="zh-TW" altLang="en-US"/>
           </a:p>
@@ -1239,7 +1239,7 @@
           <a:p>
             <a:fld id="{9553D06D-798D-41B2-8E09-945CDEC492DF}" type="datetimeFigureOut">
               <a:rPr lang="zh-TW" altLang="en-US" smtClean="0"/>
-              <a:t>2025/12/8</a:t>
+              <a:t>2025/12/9</a:t>
             </a:fld>
             <a:endParaRPr lang="zh-TW" altLang="en-US"/>
           </a:p>
@@ -1603,7 +1603,7 @@
           <a:p>
             <a:fld id="{9553D06D-798D-41B2-8E09-945CDEC492DF}" type="datetimeFigureOut">
               <a:rPr lang="zh-TW" altLang="en-US" smtClean="0"/>
-              <a:t>2025/12/8</a:t>
+              <a:t>2025/12/9</a:t>
             </a:fld>
             <a:endParaRPr lang="zh-TW" altLang="en-US"/>
           </a:p>
@@ -1720,7 +1720,7 @@
           <a:p>
             <a:fld id="{9553D06D-798D-41B2-8E09-945CDEC492DF}" type="datetimeFigureOut">
               <a:rPr lang="zh-TW" altLang="en-US" smtClean="0"/>
-              <a:t>2025/12/8</a:t>
+              <a:t>2025/12/9</a:t>
             </a:fld>
             <a:endParaRPr lang="zh-TW" altLang="en-US"/>
           </a:p>
@@ -1815,7 +1815,7 @@
           <a:p>
             <a:fld id="{9553D06D-798D-41B2-8E09-945CDEC492DF}" type="datetimeFigureOut">
               <a:rPr lang="zh-TW" altLang="en-US" smtClean="0"/>
-              <a:t>2025/12/8</a:t>
+              <a:t>2025/12/9</a:t>
             </a:fld>
             <a:endParaRPr lang="zh-TW" altLang="en-US"/>
           </a:p>
@@ -2090,7 +2090,7 @@
           <a:p>
             <a:fld id="{9553D06D-798D-41B2-8E09-945CDEC492DF}" type="datetimeFigureOut">
               <a:rPr lang="zh-TW" altLang="en-US" smtClean="0"/>
-              <a:t>2025/12/8</a:t>
+              <a:t>2025/12/9</a:t>
             </a:fld>
             <a:endParaRPr lang="zh-TW" altLang="en-US"/>
           </a:p>
@@ -2342,7 +2342,7 @@
           <a:p>
             <a:fld id="{9553D06D-798D-41B2-8E09-945CDEC492DF}" type="datetimeFigureOut">
               <a:rPr lang="zh-TW" altLang="en-US" smtClean="0"/>
-              <a:t>2025/12/8</a:t>
+              <a:t>2025/12/9</a:t>
             </a:fld>
             <a:endParaRPr lang="zh-TW" altLang="en-US"/>
           </a:p>
@@ -2553,7 +2553,7 @@
           <a:p>
             <a:fld id="{9553D06D-798D-41B2-8E09-945CDEC492DF}" type="datetimeFigureOut">
               <a:rPr lang="zh-TW" altLang="en-US" smtClean="0"/>
-              <a:t>2025/12/8</a:t>
+              <a:t>2025/12/9</a:t>
             </a:fld>
             <a:endParaRPr lang="zh-TW" altLang="en-US"/>
           </a:p>
@@ -2975,7 +2975,19 @@
           <a:p>
             <a:r>
               <a:rPr lang="en-US" altLang="zh-TW" dirty="0"/>
-              <a:t>Educational Data Mining: HW#4</a:t>
+              <a:t>Educational Data Mining: HW#4 (</a:t>
+            </a:r>
+            <a:r>
+              <a:rPr lang="en-US" altLang="zh-TW" dirty="0">
+                <a:solidFill>
+                  <a:srgbClr val="0000FF"/>
+                </a:solidFill>
+              </a:rPr>
+              <a:t>Optional</a:t>
+            </a:r>
+            <a:r>
+              <a:rPr lang="en-US" altLang="zh-TW" dirty="0"/>
+              <a:t>)</a:t>
             </a:r>
             <a:endParaRPr lang="zh-TW" altLang="en-US" dirty="0"/>
           </a:p>
@@ -2996,9 +3008,16 @@
           <a:bodyPr/>
           <a:lstStyle/>
           <a:p>
-            <a:r>
-              <a:rPr lang="en-US" altLang="zh-TW" dirty="0"/>
-              <a:t>By J. H. Wang</a:t>
+            <a:endParaRPr lang="en-US" altLang="zh-TW"/>
+          </a:p>
+          <a:p>
+            <a:r>
+              <a:rPr lang="en-US" altLang="zh-TW"/>
+              <a:t>By </a:t>
+            </a:r>
+            <a:r>
+              <a:rPr lang="en-US" altLang="zh-TW" dirty="0"/>
+              <a:t>J. H. Wang</a:t>
             </a:r>
           </a:p>
           <a:p>
@@ -3228,7 +3247,7 @@
           <a:p>
             <a:r>
               <a:rPr lang="en-US" altLang="zh-TW" dirty="0"/>
-              <a:t>Programming Exercise in MapReduce</a:t>
+              <a:t>[Optional] Programming Exercise in MapReduce</a:t>
             </a:r>
             <a:endParaRPr lang="zh-TW" altLang="en-US" dirty="0"/>
           </a:p>
@@ -3633,7 +3652,19 @@
           <a:p>
             <a:r>
               <a:rPr lang="en-US" altLang="zh-TW" dirty="0"/>
-              <a:t>Detailed analysis including the following subtasks:</a:t>
+              <a:t>All the following subtasks are [</a:t>
+            </a:r>
+            <a:r>
+              <a:rPr lang="en-US" altLang="zh-TW" dirty="0">
+                <a:solidFill>
+                  <a:srgbClr val="FF0000"/>
+                </a:solidFill>
+              </a:rPr>
+              <a:t>optional]</a:t>
+            </a:r>
+            <a:r>
+              <a:rPr lang="en-US" altLang="zh-TW" dirty="0"/>
+              <a:t>:</a:t>
             </a:r>
           </a:p>
           <a:p>
@@ -3766,7 +3797,7 @@
                   <a:srgbClr val="0000FF"/>
                 </a:solidFill>
               </a:rPr>
-              <a:t>optional</a:t>
+              <a:t>extra</a:t>
             </a:r>
             <a:r>
               <a:rPr lang="en-US" altLang="zh-TW" dirty="0"/>
@@ -4208,7 +4239,7 @@
           <a:p>
             <a:r>
               <a:rPr lang="en-US" altLang="zh-TW" dirty="0"/>
-              <a:t>Optional functions </a:t>
+              <a:t>Additional functions </a:t>
             </a:r>
             <a:endParaRPr lang="zh-TW" altLang="en-US" dirty="0"/>
           </a:p>
